--- a/TWLKR Dispatch Dashboard Project.pptx
+++ b/TWLKR Dispatch Dashboard Project.pptx
@@ -216,7 +216,7 @@
           <a:p>
             <a:fld id="{0F0BC9CE-E396-7D47-8BEB-ABE07771CFD4}" type="datetimeFigureOut">
               <a:rPr lang="en-US" smtClean="0"/>
-              <a:t>2/20/2025</a:t>
+              <a:t>2/21/2025</a:t>
             </a:fld>
             <a:endParaRPr lang="en-US"/>
           </a:p>
@@ -2299,7 +2299,7 @@
                   <a:schemeClr val="bg1"/>
                 </a:solidFill>
               </a:rPr>
-              <a:t>Step</a:t>
+              <a:t>Topic</a:t>
             </a:r>
             <a:endParaRPr lang="ko-KR" altLang="en-US" sz="1600" b="1" dirty="0">
               <a:solidFill>
@@ -2513,28 +2513,8 @@
           </a:fontRef>
         </p:style>
         <p:txBody>
-          <a:bodyPr rtlCol="0" anchor="t"/>
+          <a:bodyPr rtlCol="0" anchor="ctr"/>
           <a:lstStyle/>
-          <a:p>
-            <a:pPr algn="ctr">
-              <a:lnSpc>
-                <a:spcPct val="130000"/>
-              </a:lnSpc>
-            </a:pPr>
-            <a:r>
-              <a:rPr lang="en-US" altLang="ko-KR" sz="1600" b="1" dirty="0">
-                <a:ln w="6350">
-                  <a:solidFill>
-                    <a:schemeClr val="tx1"/>
-                  </a:solidFill>
-                </a:ln>
-                <a:solidFill>
-                  <a:schemeClr val="tx1"/>
-                </a:solidFill>
-              </a:rPr>
-              <a:t>Step 1.</a:t>
-            </a:r>
-          </a:p>
           <a:p>
             <a:pPr algn="ctr">
               <a:lnSpc>
@@ -2856,11 +2836,26 @@
               <a:rPr lang="ko-KR" altLang="en-US" sz="1050" dirty="0">
                 <a:latin typeface="+mn-ea"/>
               </a:rPr>
-              <a:t>서버 효율 및 트래픽 안정화</a:t>
-            </a:r>
-            <a:endParaRPr lang="en-US" altLang="ko-KR" sz="1050" dirty="0">
-              <a:latin typeface="+mn-ea"/>
-            </a:endParaRPr>
+              <a:t>서버 효율 및 트래픽 안정화 </a:t>
+            </a:r>
+            <a:r>
+              <a:rPr lang="en-US" altLang="ko-KR" sz="1050" dirty="0">
+                <a:latin typeface="+mn-ea"/>
+              </a:rPr>
+              <a:t>(</a:t>
+            </a:r>
+            <a:r>
+              <a:rPr lang="ko-KR" altLang="en-US" sz="1050" dirty="0">
+                <a:latin typeface="+mn-ea"/>
+              </a:rPr>
+              <a:t>유지 보수 필요</a:t>
+            </a:r>
+            <a:r>
+              <a:rPr lang="en-US" altLang="ko-KR" sz="1050" dirty="0">
+                <a:latin typeface="+mn-ea"/>
+              </a:rPr>
+              <a:t>)</a:t>
+            </a:r>
           </a:p>
         </p:txBody>
       </p:sp>
@@ -3158,7 +3153,7 @@
         </p:nvSpPr>
         <p:spPr>
           <a:xfrm>
-            <a:off x="9180915" y="2743933"/>
+            <a:off x="9180915" y="2816357"/>
             <a:ext cx="2503122" cy="1200329"/>
           </a:xfrm>
           <a:prstGeom prst="rect">
@@ -3674,28 +3669,8 @@
           </a:fontRef>
         </p:style>
         <p:txBody>
-          <a:bodyPr rtlCol="0" anchor="t"/>
+          <a:bodyPr rtlCol="0" anchor="ctr"/>
           <a:lstStyle/>
-          <a:p>
-            <a:pPr algn="ctr">
-              <a:lnSpc>
-                <a:spcPct val="130000"/>
-              </a:lnSpc>
-            </a:pPr>
-            <a:r>
-              <a:rPr lang="en-US" altLang="ko-KR" sz="1600" b="1" dirty="0">
-                <a:ln w="6350">
-                  <a:solidFill>
-                    <a:schemeClr val="tx1"/>
-                  </a:solidFill>
-                </a:ln>
-                <a:solidFill>
-                  <a:schemeClr val="tx1"/>
-                </a:solidFill>
-              </a:rPr>
-              <a:t>Step 2.</a:t>
-            </a:r>
-          </a:p>
           <a:p>
             <a:pPr algn="ctr">
               <a:lnSpc>
@@ -3713,7 +3688,7 @@
                   <a:schemeClr val="tx1"/>
                 </a:solidFill>
               </a:rPr>
-              <a:t>데이터 파이프라인 구축</a:t>
+              <a:t>유지 보수 및 데이터 파이프라인 구축</a:t>
             </a:r>
             <a:endParaRPr lang="en-US" altLang="ko-KR" sz="1600" dirty="0">
               <a:ln w="6350">
@@ -3742,8 +3717,8 @@
         </p:nvSpPr>
         <p:spPr>
           <a:xfrm>
-            <a:off x="5171062" y="2897846"/>
-            <a:ext cx="3932054" cy="899413"/>
+            <a:off x="5182084" y="2805642"/>
+            <a:ext cx="3932054" cy="1209498"/>
           </a:xfrm>
           <a:prstGeom prst="rect">
             <a:avLst/>
@@ -3836,6 +3811,38 @@
                 <a:latin typeface="+mn-ea"/>
               </a:rPr>
               <a:t>를 위한 실시간 데이터 스트리밍 서비스 개발</a:t>
+            </a:r>
+            <a:endParaRPr lang="en-US" altLang="ko-KR" sz="1050" dirty="0">
+              <a:latin typeface="+mn-ea"/>
+            </a:endParaRPr>
+          </a:p>
+          <a:p>
+            <a:pPr>
+              <a:lnSpc>
+                <a:spcPct val="130000"/>
+              </a:lnSpc>
+            </a:pPr>
+            <a:endParaRPr lang="en-US" altLang="ko-KR" sz="500" dirty="0">
+              <a:latin typeface="+mn-ea"/>
+            </a:endParaRPr>
+          </a:p>
+          <a:p>
+            <a:pPr>
+              <a:lnSpc>
+                <a:spcPct val="130000"/>
+              </a:lnSpc>
+            </a:pPr>
+            <a:r>
+              <a:rPr lang="en-US" altLang="ko-KR" sz="1050" dirty="0">
+                <a:latin typeface="+mn-ea"/>
+              </a:rPr>
+              <a:t>▶ Version 3</a:t>
+            </a:r>
+            <a:r>
+              <a:rPr lang="ko-KR" altLang="en-US" sz="1050" dirty="0">
+                <a:latin typeface="+mn-ea"/>
+              </a:rPr>
+              <a:t>를 위한 서버 유지 보수</a:t>
             </a:r>
             <a:endParaRPr lang="en-US" altLang="ko-KR" sz="1050" dirty="0">
               <a:latin typeface="+mn-ea"/>
@@ -3891,28 +3898,8 @@
           </a:fontRef>
         </p:style>
         <p:txBody>
-          <a:bodyPr rtlCol="0" anchor="t"/>
+          <a:bodyPr rtlCol="0" anchor="ctr"/>
           <a:lstStyle/>
-          <a:p>
-            <a:pPr algn="ctr">
-              <a:lnSpc>
-                <a:spcPct val="130000"/>
-              </a:lnSpc>
-            </a:pPr>
-            <a:r>
-              <a:rPr lang="en-US" altLang="ko-KR" sz="1600" b="1" dirty="0">
-                <a:ln w="6350">
-                  <a:solidFill>
-                    <a:schemeClr val="tx1"/>
-                  </a:solidFill>
-                </a:ln>
-                <a:solidFill>
-                  <a:schemeClr val="tx1"/>
-                </a:solidFill>
-              </a:rPr>
-              <a:t>Step 3.</a:t>
-            </a:r>
-          </a:p>
           <a:p>
             <a:pPr algn="ctr">
               <a:lnSpc>
@@ -3986,7 +3973,7 @@
         <p:spPr>
           <a:xfrm>
             <a:off x="5171062" y="4059678"/>
-            <a:ext cx="3930744" cy="1019062"/>
+            <a:ext cx="3930744" cy="1376852"/>
           </a:xfrm>
           <a:prstGeom prst="rect">
             <a:avLst/>
@@ -4085,6 +4072,37 @@
                 <a:ea typeface="+mj-ea"/>
               </a:rPr>
               <a:t>추출 가능</a:t>
+            </a:r>
+            <a:endParaRPr lang="en-US" altLang="ko-KR" sz="1050" dirty="0">
+              <a:latin typeface="+mn-ea"/>
+              <a:ea typeface="+mj-ea"/>
+            </a:endParaRPr>
+          </a:p>
+          <a:p>
+            <a:pPr marL="228600" indent="-228600">
+              <a:lnSpc>
+                <a:spcPct val="150000"/>
+              </a:lnSpc>
+              <a:buAutoNum type="arabicParenR" startAt="3"/>
+            </a:pPr>
+            <a:endParaRPr lang="en-US" altLang="ko-KR" sz="500" dirty="0">
+              <a:latin typeface="+mn-ea"/>
+              <a:ea typeface="+mj-ea"/>
+            </a:endParaRPr>
+          </a:p>
+          <a:p>
+            <a:pPr marL="228600" indent="-228600">
+              <a:lnSpc>
+                <a:spcPct val="150000"/>
+              </a:lnSpc>
+              <a:buAutoNum type="arabicParenR" startAt="3"/>
+            </a:pPr>
+            <a:r>
+              <a:rPr lang="ko-KR" altLang="en-US" sz="1050" dirty="0">
+                <a:latin typeface="+mn-ea"/>
+                <a:ea typeface="+mj-ea"/>
+              </a:rPr>
+              <a:t>안정적 사용을 위한 서버 관제 및 유지보수</a:t>
             </a:r>
             <a:endParaRPr lang="ko-KR" altLang="en-US" sz="1050" dirty="0">
               <a:latin typeface="+mj-ea"/>
@@ -4547,7 +4565,7 @@
                   <a:schemeClr val="bg1"/>
                 </a:solidFill>
               </a:rPr>
-              <a:t>Step</a:t>
+              <a:t>Topic</a:t>
             </a:r>
             <a:endParaRPr lang="ko-KR" altLang="en-US" sz="1600" b="1" dirty="0">
               <a:solidFill>
@@ -4795,28 +4813,8 @@
           </a:fontRef>
         </p:style>
         <p:txBody>
-          <a:bodyPr rtlCol="0" anchor="t"/>
+          <a:bodyPr rtlCol="0" anchor="ctr"/>
           <a:lstStyle/>
-          <a:p>
-            <a:pPr algn="ctr">
-              <a:lnSpc>
-                <a:spcPct val="130000"/>
-              </a:lnSpc>
-            </a:pPr>
-            <a:r>
-              <a:rPr lang="en-US" altLang="ko-KR" sz="1600" b="1" dirty="0">
-                <a:ln w="6350">
-                  <a:solidFill>
-                    <a:schemeClr val="tx1"/>
-                  </a:solidFill>
-                </a:ln>
-                <a:solidFill>
-                  <a:schemeClr val="tx1"/>
-                </a:solidFill>
-              </a:rPr>
-              <a:t>Step 1.</a:t>
-            </a:r>
-          </a:p>
           <a:p>
             <a:pPr algn="ctr">
               <a:lnSpc>
@@ -5117,7 +5115,7 @@
         <p:spPr>
           <a:xfrm>
             <a:off x="1986418" y="4059678"/>
-            <a:ext cx="3187773" cy="303481"/>
+            <a:ext cx="3187773" cy="524246"/>
           </a:xfrm>
           <a:prstGeom prst="rect">
             <a:avLst/>
@@ -5137,13 +5135,53 @@
               <a:buAutoNum type="arabicParenR"/>
             </a:pPr>
             <a:r>
-              <a:rPr lang="ko-KR" altLang="en-US" sz="1050" dirty="0">
+              <a:rPr lang="en-US" altLang="ko-KR" sz="1000" dirty="0">
                 <a:latin typeface="+mn-ea"/>
                 <a:ea typeface="+mj-ea"/>
               </a:rPr>
-              <a:t>사</a:t>
-            </a:r>
-            <a:endParaRPr lang="en-US" altLang="ko-KR" sz="500" dirty="0">
+              <a:t>24</a:t>
+            </a:r>
+            <a:r>
+              <a:rPr lang="ko-KR" altLang="en-US" sz="1000" dirty="0">
+                <a:latin typeface="+mn-ea"/>
+                <a:ea typeface="+mj-ea"/>
+              </a:rPr>
+              <a:t>시간 구동에 필요한 서버 인프라 사용료</a:t>
+            </a:r>
+            <a:endParaRPr lang="en-US" altLang="ko-KR" sz="1000" dirty="0">
+              <a:latin typeface="+mn-ea"/>
+              <a:ea typeface="+mj-ea"/>
+            </a:endParaRPr>
+          </a:p>
+          <a:p>
+            <a:pPr marL="228600" indent="-228600">
+              <a:lnSpc>
+                <a:spcPct val="150000"/>
+              </a:lnSpc>
+              <a:buAutoNum type="arabicParenR"/>
+            </a:pPr>
+            <a:r>
+              <a:rPr lang="ko-KR" altLang="en-US" sz="1000" dirty="0">
+                <a:latin typeface="+mn-ea"/>
+                <a:ea typeface="+mj-ea"/>
+              </a:rPr>
+              <a:t>우편번호 기반 허브 별 배송 거리</a:t>
+            </a:r>
+            <a:r>
+              <a:rPr lang="en-US" altLang="ko-KR" sz="1000" dirty="0">
+                <a:latin typeface="+mn-ea"/>
+                <a:ea typeface="+mj-ea"/>
+              </a:rPr>
+              <a:t>(km) </a:t>
+            </a:r>
+            <a:r>
+              <a:rPr lang="ko-KR" altLang="en-US" sz="1000" dirty="0">
+                <a:latin typeface="+mn-ea"/>
+                <a:ea typeface="+mj-ea"/>
+              </a:rPr>
+              <a:t>계산 비용</a:t>
+            </a:r>
+            <a:endParaRPr lang="en-US" altLang="ko-KR" sz="1000" dirty="0">
               <a:latin typeface="+mn-ea"/>
               <a:ea typeface="+mj-ea"/>
             </a:endParaRPr>
@@ -5465,28 +5503,8 @@
           </a:fontRef>
         </p:style>
         <p:txBody>
-          <a:bodyPr rtlCol="0" anchor="t"/>
+          <a:bodyPr rtlCol="0" anchor="ctr"/>
           <a:lstStyle/>
-          <a:p>
-            <a:pPr algn="ctr">
-              <a:lnSpc>
-                <a:spcPct val="130000"/>
-              </a:lnSpc>
-            </a:pPr>
-            <a:r>
-              <a:rPr lang="en-US" altLang="ko-KR" sz="1600" b="1" dirty="0">
-                <a:ln w="6350">
-                  <a:solidFill>
-                    <a:schemeClr val="tx1"/>
-                  </a:solidFill>
-                </a:ln>
-                <a:solidFill>
-                  <a:schemeClr val="tx1"/>
-                </a:solidFill>
-              </a:rPr>
-              <a:t>Step 2.</a:t>
-            </a:r>
-          </a:p>
           <a:p>
             <a:pPr algn="ctr">
               <a:lnSpc>
@@ -5618,28 +5636,8 @@
           </a:fontRef>
         </p:style>
         <p:txBody>
-          <a:bodyPr rtlCol="0" anchor="t"/>
+          <a:bodyPr rtlCol="0" anchor="ctr"/>
           <a:lstStyle/>
-          <a:p>
-            <a:pPr algn="ctr">
-              <a:lnSpc>
-                <a:spcPct val="130000"/>
-              </a:lnSpc>
-            </a:pPr>
-            <a:r>
-              <a:rPr lang="en-US" altLang="ko-KR" sz="1600" b="1" dirty="0">
-                <a:ln w="6350">
-                  <a:solidFill>
-                    <a:schemeClr val="tx1"/>
-                  </a:solidFill>
-                </a:ln>
-                <a:solidFill>
-                  <a:schemeClr val="tx1"/>
-                </a:solidFill>
-              </a:rPr>
-              <a:t>Step 3.</a:t>
-            </a:r>
-          </a:p>
           <a:p>
             <a:pPr algn="ctr">
               <a:lnSpc>
@@ -6459,6 +6457,34 @@
 </file>
 
 <file path=customXml/item1.xml><?xml version="1.0" encoding="utf-8"?>
+<p:properties xmlns:p="http://schemas.microsoft.com/office/2006/metadata/properties" xmlns:xsi="http://www.w3.org/2001/XMLSchema-instance" xmlns:pc="http://schemas.microsoft.com/office/infopath/2007/PartnerControls">
+  <documentManagement>
+    <Person_x0028_s_x0029__x0020_Responsible_x0020_for_x0020_Policy xmlns="2da9f8d1-1481-480d-b29c-d5b1cf054a28" xsi:nil="true"/>
+    <Policy_x0020_Type xmlns="2da9f8d1-1481-480d-b29c-d5b1cf054a28">Policy</Policy_x0020_Type>
+    <Policy_x0020_Enforcement_x0020_Date xmlns="2da9f8d1-1481-480d-b29c-d5b1cf054a28" xsi:nil="true"/>
+    <Policy_x0020_Status xmlns="2da9f8d1-1481-480d-b29c-d5b1cf054a28">Enforced</Policy_x0020_Status>
+    <Policy_x0020_Ref xmlns="2da9f8d1-1481-480d-b29c-d5b1cf054a28" xsi:nil="true"/>
+    <Policy_x0020_Approved_x0020_By xmlns="2da9f8d1-1481-480d-b29c-d5b1cf054a28" xsi:nil="true"/>
+    <Policy_x0020_Version xmlns="2da9f8d1-1481-480d-b29c-d5b1cf054a28" xsi:nil="true"/>
+    <Policy_x0020_Drafted_x0020_By xmlns="2da9f8d1-1481-480d-b29c-d5b1cf054a28" xsi:nil="true"/>
+    <lcf76f155ced4ddcb4097134ff3c332f xmlns="89bae1a4-8361-4828-90ec-a3360a876cdf">
+      <Terms xmlns="http://schemas.microsoft.com/office/infopath/2007/PartnerControls"/>
+    </lcf76f155ced4ddcb4097134ff3c332f>
+    <TaxCatchAll xmlns="2da9f8d1-1481-480d-b29c-d5b1cf054a28" xsi:nil="true"/>
+  </documentManagement>
+</p:properties>
+</file>
+
+<file path=customXml/item2.xml><?xml version="1.0" encoding="utf-8"?>
+<?mso-contentType ?>
+<FormTemplates xmlns="http://schemas.microsoft.com/sharepoint/v3/contenttype/forms">
+  <Display>DocumentLibraryForm</Display>
+  <Edit>DocumentLibraryForm</Edit>
+  <New>DocumentLibraryForm</New>
+</FormTemplates>
+</file>
+
+<file path=customXml/item3.xml><?xml version="1.0" encoding="utf-8"?>
 <ct:contentTypeSchema xmlns:ct="http://schemas.microsoft.com/office/2006/metadata/contentType" xmlns:ma="http://schemas.microsoft.com/office/2006/metadata/properties/metaAttributes" ct:_="" ma:_="" ma:contentTypeName="Document" ma:contentTypeID="0x010100822459439BA4514C84702488D0E006BA" ma:contentTypeVersion="26" ma:contentTypeDescription="Create a new document." ma:contentTypeScope="" ma:versionID="1adb099fd56db279984540ccda29e0d1">
   <xsd:schema xmlns:xsd="http://www.w3.org/2001/XMLSchema" xmlns:xs="http://www.w3.org/2001/XMLSchema" xmlns:p="http://schemas.microsoft.com/office/2006/metadata/properties" xmlns:ns2="89bae1a4-8361-4828-90ec-a3360a876cdf" xmlns:ns3="2da9f8d1-1481-480d-b29c-d5b1cf054a28" targetNamespace="http://schemas.microsoft.com/office/2006/metadata/properties" ma:root="true" ma:fieldsID="d64d8535f64baee22c4ab121384eb1bc" ns2:_="" ns3:_="">
     <xsd:import namespace="89bae1a4-8361-4828-90ec-a3360a876cdf"/>
@@ -6758,35 +6784,26 @@
 </ct:contentTypeSchema>
 </file>
 
-<file path=customXml/item2.xml><?xml version="1.0" encoding="utf-8"?>
-<?mso-contentType ?>
-<FormTemplates xmlns="http://schemas.microsoft.com/sharepoint/v3/contenttype/forms">
-  <Display>DocumentLibraryForm</Display>
-  <Edit>DocumentLibraryForm</Edit>
-  <New>DocumentLibraryForm</New>
-</FormTemplates>
+<file path=customXml/itemProps1.xml><?xml version="1.0" encoding="utf-8"?>
+<ds:datastoreItem xmlns:ds="http://schemas.openxmlformats.org/officeDocument/2006/customXml" ds:itemID="{6D3890D1-0804-4983-A8E2-EED5DCFD2DB2}">
+  <ds:schemaRefs>
+    <ds:schemaRef ds:uri="http://schemas.microsoft.com/office/2006/metadata/properties"/>
+    <ds:schemaRef ds:uri="http://schemas.microsoft.com/office/infopath/2007/PartnerControls"/>
+    <ds:schemaRef ds:uri="2da9f8d1-1481-480d-b29c-d5b1cf054a28"/>
+    <ds:schemaRef ds:uri="89bae1a4-8361-4828-90ec-a3360a876cdf"/>
+  </ds:schemaRefs>
+</ds:datastoreItem>
 </file>
 
-<file path=customXml/item3.xml><?xml version="1.0" encoding="utf-8"?>
-<p:properties xmlns:p="http://schemas.microsoft.com/office/2006/metadata/properties" xmlns:xsi="http://www.w3.org/2001/XMLSchema-instance" xmlns:pc="http://schemas.microsoft.com/office/infopath/2007/PartnerControls">
-  <documentManagement>
-    <Person_x0028_s_x0029__x0020_Responsible_x0020_for_x0020_Policy xmlns="2da9f8d1-1481-480d-b29c-d5b1cf054a28" xsi:nil="true"/>
-    <Policy_x0020_Type xmlns="2da9f8d1-1481-480d-b29c-d5b1cf054a28">Policy</Policy_x0020_Type>
-    <Policy_x0020_Enforcement_x0020_Date xmlns="2da9f8d1-1481-480d-b29c-d5b1cf054a28" xsi:nil="true"/>
-    <Policy_x0020_Status xmlns="2da9f8d1-1481-480d-b29c-d5b1cf054a28">Enforced</Policy_x0020_Status>
-    <Policy_x0020_Ref xmlns="2da9f8d1-1481-480d-b29c-d5b1cf054a28" xsi:nil="true"/>
-    <Policy_x0020_Approved_x0020_By xmlns="2da9f8d1-1481-480d-b29c-d5b1cf054a28" xsi:nil="true"/>
-    <Policy_x0020_Version xmlns="2da9f8d1-1481-480d-b29c-d5b1cf054a28" xsi:nil="true"/>
-    <Policy_x0020_Drafted_x0020_By xmlns="2da9f8d1-1481-480d-b29c-d5b1cf054a28" xsi:nil="true"/>
-    <lcf76f155ced4ddcb4097134ff3c332f xmlns="89bae1a4-8361-4828-90ec-a3360a876cdf">
-      <Terms xmlns="http://schemas.microsoft.com/office/infopath/2007/PartnerControls"/>
-    </lcf76f155ced4ddcb4097134ff3c332f>
-    <TaxCatchAll xmlns="2da9f8d1-1481-480d-b29c-d5b1cf054a28" xsi:nil="true"/>
-  </documentManagement>
-</p:properties>
+<file path=customXml/itemProps2.xml><?xml version="1.0" encoding="utf-8"?>
+<ds:datastoreItem xmlns:ds="http://schemas.openxmlformats.org/officeDocument/2006/customXml" ds:itemID="{8A6625D8-3E01-4B34-86DB-ED400E79EF4F}">
+  <ds:schemaRefs>
+    <ds:schemaRef ds:uri="http://schemas.microsoft.com/sharepoint/v3/contenttype/forms"/>
+  </ds:schemaRefs>
+</ds:datastoreItem>
 </file>
 
-<file path=customXml/itemProps1.xml><?xml version="1.0" encoding="utf-8"?>
+<file path=customXml/itemProps3.xml><?xml version="1.0" encoding="utf-8"?>
 <ds:datastoreItem xmlns:ds="http://schemas.openxmlformats.org/officeDocument/2006/customXml" ds:itemID="{0B2FBBFA-7C2A-452B-AD67-D78617A449D5}">
   <ds:schemaRefs>
     <ds:schemaRef ds:uri="http://schemas.microsoft.com/office/2006/metadata/contentType"/>
@@ -6803,23 +6820,4 @@
     <ds:schemaRef ds:uri="http://schemas.microsoft.com/internal/obd"/>
   </ds:schemaRefs>
 </ds:datastoreItem>
-</file>
-
-<file path=customXml/itemProps2.xml><?xml version="1.0" encoding="utf-8"?>
-<ds:datastoreItem xmlns:ds="http://schemas.openxmlformats.org/officeDocument/2006/customXml" ds:itemID="{8A6625D8-3E01-4B34-86DB-ED400E79EF4F}">
-  <ds:schemaRefs>
-    <ds:schemaRef ds:uri="http://schemas.microsoft.com/sharepoint/v3/contenttype/forms"/>
-  </ds:schemaRefs>
-</ds:datastoreItem>
-</file>
-
-<file path=customXml/itemProps3.xml><?xml version="1.0" encoding="utf-8"?>
-<ds:datastoreItem xmlns:ds="http://schemas.openxmlformats.org/officeDocument/2006/customXml" ds:itemID="{6D3890D1-0804-4983-A8E2-EED5DCFD2DB2}">
-  <ds:schemaRefs>
-    <ds:schemaRef ds:uri="http://schemas.microsoft.com/office/2006/metadata/properties"/>
-    <ds:schemaRef ds:uri="http://schemas.microsoft.com/office/infopath/2007/PartnerControls"/>
-    <ds:schemaRef ds:uri="2da9f8d1-1481-480d-b29c-d5b1cf054a28"/>
-    <ds:schemaRef ds:uri="89bae1a4-8361-4828-90ec-a3360a876cdf"/>
-  </ds:schemaRefs>
-</ds:datastoreItem>
 </file>
--- a/TWLKR Dispatch Dashboard Project.pptx
+++ b/TWLKR Dispatch Dashboard Project.pptx
@@ -3836,13 +3836,13 @@
               <a:rPr lang="en-US" altLang="ko-KR" sz="1050" dirty="0">
                 <a:latin typeface="+mn-ea"/>
               </a:rPr>
-              <a:t>▶ Version 3</a:t>
+              <a:t>▶ </a:t>
             </a:r>
             <a:r>
               <a:rPr lang="ko-KR" altLang="en-US" sz="1050" dirty="0">
                 <a:latin typeface="+mn-ea"/>
               </a:rPr>
-              <a:t>를 위한 서버 유지 보수</a:t>
+              <a:t>적용 후 피드백에 의한 서버 유지 보수 및 개선 사항 적용</a:t>
             </a:r>
             <a:endParaRPr lang="en-US" altLang="ko-KR" sz="1050" dirty="0">
               <a:latin typeface="+mn-ea"/>
@@ -5054,7 +5054,19 @@
               <a:rPr lang="en-US" altLang="ko-KR" sz="1050" dirty="0">
                 <a:latin typeface="+mn-ea"/>
               </a:rPr>
-              <a:t>▶ Google Infra </a:t>
+              <a:t>▶ Google </a:t>
+            </a:r>
+            <a:r>
+              <a:rPr lang="ko-KR" altLang="en-US" sz="1050" dirty="0">
+                <a:latin typeface="+mn-ea"/>
+              </a:rPr>
+              <a:t>플랫폼</a:t>
+            </a:r>
+            <a:r>
+              <a:rPr lang="en-US" altLang="ko-KR" sz="1050" dirty="0">
+                <a:latin typeface="+mn-ea"/>
+              </a:rPr>
+              <a:t> </a:t>
             </a:r>
             <a:r>
               <a:rPr lang="ko-KR" altLang="en-US" sz="1050" dirty="0">
@@ -5146,7 +5158,7 @@
                 <a:latin typeface="+mn-ea"/>
                 <a:ea typeface="+mj-ea"/>
               </a:rPr>
-              <a:t>시간 구동에 필요한 서버 인프라 사용료</a:t>
+              <a:t>시간 구동에 필요한 서버 인프라 사용</a:t>
             </a:r>
             <a:endParaRPr lang="en-US" altLang="ko-KR" sz="1000" dirty="0">
               <a:latin typeface="+mn-ea"/>
@@ -5179,7 +5191,7 @@
                 <a:latin typeface="+mn-ea"/>
                 <a:ea typeface="+mj-ea"/>
               </a:rPr>
-              <a:t>계산 비용</a:t>
+              <a:t>계산 사용</a:t>
             </a:r>
             <a:endParaRPr lang="en-US" altLang="ko-KR" sz="1000" dirty="0">
               <a:latin typeface="+mn-ea"/>
@@ -5574,13 +5586,13 @@
               <a:rPr lang="en-US" altLang="ko-KR" sz="1050" dirty="0">
                 <a:latin typeface="+mn-ea"/>
               </a:rPr>
-              <a:t>▶ </a:t>
+              <a:t>▶Google </a:t>
             </a:r>
             <a:r>
               <a:rPr lang="ko-KR" altLang="en-US" sz="1050" dirty="0">
                 <a:latin typeface="+mn-ea"/>
               </a:rPr>
-              <a:t>하</a:t>
+              <a:t>플랫폼 데이터 파이프라인 사용료</a:t>
             </a:r>
             <a:endParaRPr lang="en-US" altLang="ko-KR" sz="1050" dirty="0">
               <a:latin typeface="+mn-ea"/>
@@ -5816,6 +5828,436 @@
           </a:fontRef>
         </p:style>
       </p:cxnSp>
+      <p:sp>
+        <p:nvSpPr>
+          <p:cNvPr id="28" name="TextBox 27">
+            <a:extLst>
+              <a:ext uri="{FF2B5EF4-FFF2-40B4-BE49-F238E27FC236}">
+                <a16:creationId xmlns:a16="http://schemas.microsoft.com/office/drawing/2014/main" id="{F789CC51-277E-56B5-BB3B-F6267B883DFD}"/>
+              </a:ext>
+            </a:extLst>
+          </p:cNvPr>
+          <p:cNvSpPr txBox="1"/>
+          <p:nvPr/>
+        </p:nvSpPr>
+        <p:spPr>
+          <a:xfrm>
+            <a:off x="1992744" y="5199498"/>
+            <a:ext cx="3187773" cy="524246"/>
+          </a:xfrm>
+          <a:prstGeom prst="rect">
+            <a:avLst/>
+          </a:prstGeom>
+          <a:noFill/>
+        </p:spPr>
+        <p:txBody>
+          <a:bodyPr wrap="square" rtlCol="0">
+            <a:spAutoFit/>
+          </a:bodyPr>
+          <a:lstStyle/>
+          <a:p>
+            <a:pPr>
+              <a:lnSpc>
+                <a:spcPct val="150000"/>
+              </a:lnSpc>
+            </a:pPr>
+            <a:r>
+              <a:rPr lang="ko-KR" altLang="en-US" sz="1000" dirty="0">
+                <a:latin typeface="+mn-ea"/>
+                <a:ea typeface="+mj-ea"/>
+              </a:rPr>
+              <a:t>서버 이용료 </a:t>
+            </a:r>
+            <a:r>
+              <a:rPr lang="en-US" altLang="ko-KR" sz="1000" dirty="0">
+                <a:latin typeface="+mn-ea"/>
+                <a:ea typeface="+mj-ea"/>
+              </a:rPr>
+              <a:t>: </a:t>
+            </a:r>
+            <a:r>
+              <a:rPr lang="ko-KR" altLang="en-US" sz="1000" dirty="0">
+                <a:latin typeface="+mn-ea"/>
+                <a:ea typeface="+mj-ea"/>
+              </a:rPr>
+              <a:t>월 약 </a:t>
+            </a:r>
+            <a:r>
+              <a:rPr lang="en-US" altLang="ko-KR" sz="1000" dirty="0">
+                <a:latin typeface="+mn-ea"/>
+                <a:ea typeface="+mj-ea"/>
+              </a:rPr>
+              <a:t>\100,000 </a:t>
+            </a:r>
+            <a:r>
+              <a:rPr lang="ko-KR" altLang="en-US" sz="1000" dirty="0">
+                <a:latin typeface="+mn-ea"/>
+                <a:ea typeface="+mj-ea"/>
+              </a:rPr>
+              <a:t>이하</a:t>
+            </a:r>
+            <a:endParaRPr lang="en-US" altLang="ko-KR" sz="1000" dirty="0">
+              <a:latin typeface="+mn-ea"/>
+              <a:ea typeface="+mj-ea"/>
+            </a:endParaRPr>
+          </a:p>
+          <a:p>
+            <a:pPr>
+              <a:lnSpc>
+                <a:spcPct val="150000"/>
+              </a:lnSpc>
+            </a:pPr>
+            <a:r>
+              <a:rPr lang="en-US" altLang="ko-KR" sz="1000" dirty="0">
+                <a:latin typeface="+mn-ea"/>
+                <a:ea typeface="+mj-ea"/>
+              </a:rPr>
+              <a:t>Naver API </a:t>
+            </a:r>
+            <a:r>
+              <a:rPr lang="ko-KR" altLang="en-US" sz="1000" dirty="0">
+                <a:latin typeface="+mn-ea"/>
+                <a:ea typeface="+mj-ea"/>
+              </a:rPr>
+              <a:t>사용료 </a:t>
+            </a:r>
+            <a:r>
+              <a:rPr lang="en-US" altLang="ko-KR" sz="1000" dirty="0">
+                <a:latin typeface="+mn-ea"/>
+                <a:ea typeface="+mj-ea"/>
+              </a:rPr>
+              <a:t>: </a:t>
+            </a:r>
+            <a:r>
+              <a:rPr lang="ko-KR" altLang="en-US" sz="1000" dirty="0">
+                <a:latin typeface="+mn-ea"/>
+                <a:ea typeface="+mj-ea"/>
+              </a:rPr>
+              <a:t>월 </a:t>
+            </a:r>
+            <a:r>
+              <a:rPr lang="en-US" altLang="ko-KR" sz="1000" dirty="0">
+                <a:latin typeface="+mn-ea"/>
+                <a:ea typeface="+mj-ea"/>
+              </a:rPr>
+              <a:t>\50,000 </a:t>
+            </a:r>
+            <a:r>
+              <a:rPr lang="ko-KR" altLang="en-US" sz="1000" dirty="0">
+                <a:latin typeface="+mn-ea"/>
+                <a:ea typeface="+mj-ea"/>
+              </a:rPr>
+              <a:t>이하</a:t>
+            </a:r>
+            <a:endParaRPr lang="en-US" altLang="ko-KR" sz="1000" dirty="0">
+              <a:latin typeface="+mn-ea"/>
+              <a:ea typeface="+mj-ea"/>
+            </a:endParaRPr>
+          </a:p>
+        </p:txBody>
+      </p:sp>
+      <p:sp>
+        <p:nvSpPr>
+          <p:cNvPr id="29" name="TextBox 28">
+            <a:extLst>
+              <a:ext uri="{FF2B5EF4-FFF2-40B4-BE49-F238E27FC236}">
+                <a16:creationId xmlns:a16="http://schemas.microsoft.com/office/drawing/2014/main" id="{55DCB290-E314-EF63-F416-D2D0D310BBB0}"/>
+              </a:ext>
+            </a:extLst>
+          </p:cNvPr>
+          <p:cNvSpPr txBox="1"/>
+          <p:nvPr/>
+        </p:nvSpPr>
+        <p:spPr>
+          <a:xfrm>
+            <a:off x="9101551" y="3054016"/>
+            <a:ext cx="3932054" cy="279244"/>
+          </a:xfrm>
+          <a:prstGeom prst="rect">
+            <a:avLst/>
+          </a:prstGeom>
+          <a:noFill/>
+        </p:spPr>
+        <p:txBody>
+          <a:bodyPr wrap="square" rtlCol="0" anchor="ctr">
+            <a:spAutoFit/>
+          </a:bodyPr>
+          <a:lstStyle/>
+          <a:p>
+            <a:pPr>
+              <a:lnSpc>
+                <a:spcPct val="130000"/>
+              </a:lnSpc>
+            </a:pPr>
+            <a:r>
+              <a:rPr lang="en-US" altLang="ko-KR" sz="1050" dirty="0">
+                <a:latin typeface="+mn-ea"/>
+              </a:rPr>
+              <a:t>▶AI </a:t>
+            </a:r>
+            <a:r>
+              <a:rPr lang="ko-KR" altLang="en-US" sz="1050" dirty="0">
+                <a:latin typeface="+mn-ea"/>
+              </a:rPr>
+              <a:t>테스트 용 데스크탑</a:t>
+            </a:r>
+            <a:endParaRPr lang="en-US" altLang="ko-KR" sz="1050" dirty="0">
+              <a:latin typeface="+mn-ea"/>
+            </a:endParaRPr>
+          </a:p>
+        </p:txBody>
+      </p:sp>
+      <p:sp>
+        <p:nvSpPr>
+          <p:cNvPr id="31" name="TextBox 30">
+            <a:extLst>
+              <a:ext uri="{FF2B5EF4-FFF2-40B4-BE49-F238E27FC236}">
+                <a16:creationId xmlns:a16="http://schemas.microsoft.com/office/drawing/2014/main" id="{4FA65230-97D6-EEFD-59BA-BD7C55AEEEB8}"/>
+              </a:ext>
+            </a:extLst>
+          </p:cNvPr>
+          <p:cNvSpPr txBox="1"/>
+          <p:nvPr/>
+        </p:nvSpPr>
+        <p:spPr>
+          <a:xfrm>
+            <a:off x="5180517" y="4060648"/>
+            <a:ext cx="3914775" cy="524246"/>
+          </a:xfrm>
+          <a:prstGeom prst="rect">
+            <a:avLst/>
+          </a:prstGeom>
+          <a:noFill/>
+        </p:spPr>
+        <p:txBody>
+          <a:bodyPr wrap="square" rtlCol="0">
+            <a:spAutoFit/>
+          </a:bodyPr>
+          <a:lstStyle/>
+          <a:p>
+            <a:pPr marL="228600" indent="-228600">
+              <a:lnSpc>
+                <a:spcPct val="150000"/>
+              </a:lnSpc>
+              <a:buAutoNum type="arabicParenR"/>
+            </a:pPr>
+            <a:r>
+              <a:rPr lang="ko-KR" altLang="en-US" sz="1000" dirty="0">
+                <a:latin typeface="+mn-ea"/>
+                <a:ea typeface="+mj-ea"/>
+              </a:rPr>
+              <a:t>최대 </a:t>
+            </a:r>
+            <a:r>
+              <a:rPr lang="en-US" altLang="ko-KR" sz="1000" dirty="0">
+                <a:latin typeface="+mn-ea"/>
+                <a:ea typeface="+mj-ea"/>
+              </a:rPr>
+              <a:t>50GB </a:t>
+            </a:r>
+            <a:r>
+              <a:rPr lang="ko-KR" altLang="en-US" sz="1000" dirty="0">
+                <a:latin typeface="+mn-ea"/>
+                <a:ea typeface="+mj-ea"/>
+              </a:rPr>
+              <a:t>데이터 실시간 처리 및 분석 사용</a:t>
+            </a:r>
+            <a:endParaRPr lang="en-US" altLang="ko-KR" sz="1000" dirty="0">
+              <a:latin typeface="+mn-ea"/>
+              <a:ea typeface="+mj-ea"/>
+            </a:endParaRPr>
+          </a:p>
+          <a:p>
+            <a:pPr marL="228600" indent="-228600">
+              <a:lnSpc>
+                <a:spcPct val="150000"/>
+              </a:lnSpc>
+              <a:buAutoNum type="arabicParenR"/>
+            </a:pPr>
+            <a:r>
+              <a:rPr lang="ko-KR" altLang="en-US" sz="1000" dirty="0">
+                <a:latin typeface="+mn-ea"/>
+                <a:ea typeface="+mj-ea"/>
+              </a:rPr>
+              <a:t>누적되는 데이터 보관용 </a:t>
+            </a:r>
+            <a:r>
+              <a:rPr lang="en-US" altLang="ko-KR" sz="1000" dirty="0" err="1">
+                <a:latin typeface="+mn-ea"/>
+                <a:ea typeface="+mj-ea"/>
+              </a:rPr>
+              <a:t>DataWareHouse</a:t>
+            </a:r>
+            <a:r>
+              <a:rPr lang="en-US" altLang="ko-KR" sz="1000" dirty="0">
+                <a:latin typeface="+mn-ea"/>
+                <a:ea typeface="+mj-ea"/>
+              </a:rPr>
+              <a:t> </a:t>
+            </a:r>
+            <a:r>
+              <a:rPr lang="ko-KR" altLang="en-US" sz="1000" dirty="0">
+                <a:latin typeface="+mn-ea"/>
+                <a:ea typeface="+mj-ea"/>
+              </a:rPr>
+              <a:t>사용</a:t>
+            </a:r>
+            <a:endParaRPr lang="en-US" altLang="ko-KR" sz="1000" dirty="0">
+              <a:latin typeface="+mn-ea"/>
+              <a:ea typeface="+mj-ea"/>
+            </a:endParaRPr>
+          </a:p>
+        </p:txBody>
+      </p:sp>
+      <p:sp>
+        <p:nvSpPr>
+          <p:cNvPr id="33" name="TextBox 32">
+            <a:extLst>
+              <a:ext uri="{FF2B5EF4-FFF2-40B4-BE49-F238E27FC236}">
+                <a16:creationId xmlns:a16="http://schemas.microsoft.com/office/drawing/2014/main" id="{55B1C94A-5C2C-2A11-3EA4-83490A17B800}"/>
+              </a:ext>
+            </a:extLst>
+          </p:cNvPr>
+          <p:cNvSpPr txBox="1"/>
+          <p:nvPr/>
+        </p:nvSpPr>
+        <p:spPr>
+          <a:xfrm>
+            <a:off x="9118830" y="4061207"/>
+            <a:ext cx="3914775" cy="524246"/>
+          </a:xfrm>
+          <a:prstGeom prst="rect">
+            <a:avLst/>
+          </a:prstGeom>
+          <a:noFill/>
+        </p:spPr>
+        <p:txBody>
+          <a:bodyPr wrap="square" rtlCol="0">
+            <a:spAutoFit/>
+          </a:bodyPr>
+          <a:lstStyle/>
+          <a:p>
+            <a:pPr marL="228600" indent="-228600">
+              <a:lnSpc>
+                <a:spcPct val="150000"/>
+              </a:lnSpc>
+              <a:buAutoNum type="arabicParenR"/>
+            </a:pPr>
+            <a:r>
+              <a:rPr lang="ko-KR" altLang="en-US" sz="1000" dirty="0">
+                <a:latin typeface="+mn-ea"/>
+                <a:ea typeface="+mj-ea"/>
+              </a:rPr>
+              <a:t>타플랫폼 연동 데이터 입력 생성 수정 자동화</a:t>
+            </a:r>
+            <a:endParaRPr lang="en-US" altLang="ko-KR" sz="1000" dirty="0">
+              <a:latin typeface="+mn-ea"/>
+              <a:ea typeface="+mj-ea"/>
+            </a:endParaRPr>
+          </a:p>
+          <a:p>
+            <a:pPr marL="228600" indent="-228600">
+              <a:lnSpc>
+                <a:spcPct val="150000"/>
+              </a:lnSpc>
+              <a:buAutoNum type="arabicParenR"/>
+            </a:pPr>
+            <a:r>
+              <a:rPr lang="en-US" altLang="ko-KR" sz="1000" dirty="0">
+                <a:latin typeface="+mn-ea"/>
+                <a:ea typeface="+mj-ea"/>
+              </a:rPr>
+              <a:t>AI</a:t>
+            </a:r>
+            <a:r>
+              <a:rPr lang="ko-KR" altLang="en-US" sz="1000" dirty="0">
+                <a:latin typeface="+mn-ea"/>
+                <a:ea typeface="+mj-ea"/>
+              </a:rPr>
+              <a:t> 학습 기반 배차 추천 알고리즘 개발 </a:t>
+            </a:r>
+            <a:endParaRPr lang="en-US" altLang="ko-KR" sz="1000" dirty="0">
+              <a:latin typeface="+mn-ea"/>
+              <a:ea typeface="+mj-ea"/>
+            </a:endParaRPr>
+          </a:p>
+        </p:txBody>
+      </p:sp>
+      <p:sp>
+        <p:nvSpPr>
+          <p:cNvPr id="35" name="TextBox 34">
+            <a:extLst>
+              <a:ext uri="{FF2B5EF4-FFF2-40B4-BE49-F238E27FC236}">
+                <a16:creationId xmlns:a16="http://schemas.microsoft.com/office/drawing/2014/main" id="{E0F9E716-2924-A428-8ADC-EE838A980658}"/>
+              </a:ext>
+            </a:extLst>
+          </p:cNvPr>
+          <p:cNvSpPr txBox="1"/>
+          <p:nvPr/>
+        </p:nvSpPr>
+        <p:spPr>
+          <a:xfrm>
+            <a:off x="5158218" y="5206610"/>
+            <a:ext cx="3187773" cy="293414"/>
+          </a:xfrm>
+          <a:prstGeom prst="rect">
+            <a:avLst/>
+          </a:prstGeom>
+          <a:noFill/>
+        </p:spPr>
+        <p:txBody>
+          <a:bodyPr wrap="square" rtlCol="0">
+            <a:spAutoFit/>
+          </a:bodyPr>
+          <a:lstStyle/>
+          <a:p>
+            <a:pPr>
+              <a:lnSpc>
+                <a:spcPct val="150000"/>
+              </a:lnSpc>
+            </a:pPr>
+            <a:r>
+              <a:rPr lang="ko-KR" altLang="en-US" sz="1000" dirty="0">
+                <a:latin typeface="+mn-ea"/>
+                <a:ea typeface="+mj-ea"/>
+              </a:rPr>
+              <a:t>파이프라인 인프라 이용료 </a:t>
+            </a:r>
+            <a:r>
+              <a:rPr lang="en-US" altLang="ko-KR" sz="1000" dirty="0">
+                <a:latin typeface="+mn-ea"/>
+                <a:ea typeface="+mj-ea"/>
+              </a:rPr>
+              <a:t>: </a:t>
+            </a:r>
+            <a:r>
+              <a:rPr lang="ko-KR" altLang="en-US" sz="1000" dirty="0">
+                <a:latin typeface="+mn-ea"/>
+                <a:ea typeface="+mj-ea"/>
+              </a:rPr>
+              <a:t>월 약 </a:t>
+            </a:r>
+            <a:r>
+              <a:rPr lang="en-US" altLang="ko-KR" sz="1000" dirty="0">
+                <a:latin typeface="+mn-ea"/>
+                <a:ea typeface="+mj-ea"/>
+              </a:rPr>
+              <a:t>\150,000 </a:t>
+            </a:r>
+            <a:r>
+              <a:rPr lang="ko-KR" altLang="en-US" sz="1000" dirty="0">
+                <a:latin typeface="+mn-ea"/>
+                <a:ea typeface="+mj-ea"/>
+              </a:rPr>
+              <a:t>이하</a:t>
+            </a:r>
+            <a:endParaRPr lang="en-US" altLang="ko-KR" sz="1000" dirty="0">
+              <a:latin typeface="+mn-ea"/>
+              <a:ea typeface="+mj-ea"/>
+            </a:endParaRPr>
+          </a:p>
+        </p:txBody>
+      </p:sp>
     </p:spTree>
     <p:extLst>
       <p:ext uri="{BB962C8B-B14F-4D97-AF65-F5344CB8AC3E}">
@@ -6457,34 +6899,6 @@
 </file>
 
 <file path=customXml/item1.xml><?xml version="1.0" encoding="utf-8"?>
-<p:properties xmlns:p="http://schemas.microsoft.com/office/2006/metadata/properties" xmlns:xsi="http://www.w3.org/2001/XMLSchema-instance" xmlns:pc="http://schemas.microsoft.com/office/infopath/2007/PartnerControls">
-  <documentManagement>
-    <Person_x0028_s_x0029__x0020_Responsible_x0020_for_x0020_Policy xmlns="2da9f8d1-1481-480d-b29c-d5b1cf054a28" xsi:nil="true"/>
-    <Policy_x0020_Type xmlns="2da9f8d1-1481-480d-b29c-d5b1cf054a28">Policy</Policy_x0020_Type>
-    <Policy_x0020_Enforcement_x0020_Date xmlns="2da9f8d1-1481-480d-b29c-d5b1cf054a28" xsi:nil="true"/>
-    <Policy_x0020_Status xmlns="2da9f8d1-1481-480d-b29c-d5b1cf054a28">Enforced</Policy_x0020_Status>
-    <Policy_x0020_Ref xmlns="2da9f8d1-1481-480d-b29c-d5b1cf054a28" xsi:nil="true"/>
-    <Policy_x0020_Approved_x0020_By xmlns="2da9f8d1-1481-480d-b29c-d5b1cf054a28" xsi:nil="true"/>
-    <Policy_x0020_Version xmlns="2da9f8d1-1481-480d-b29c-d5b1cf054a28" xsi:nil="true"/>
-    <Policy_x0020_Drafted_x0020_By xmlns="2da9f8d1-1481-480d-b29c-d5b1cf054a28" xsi:nil="true"/>
-    <lcf76f155ced4ddcb4097134ff3c332f xmlns="89bae1a4-8361-4828-90ec-a3360a876cdf">
-      <Terms xmlns="http://schemas.microsoft.com/office/infopath/2007/PartnerControls"/>
-    </lcf76f155ced4ddcb4097134ff3c332f>
-    <TaxCatchAll xmlns="2da9f8d1-1481-480d-b29c-d5b1cf054a28" xsi:nil="true"/>
-  </documentManagement>
-</p:properties>
-</file>
-
-<file path=customXml/item2.xml><?xml version="1.0" encoding="utf-8"?>
-<?mso-contentType ?>
-<FormTemplates xmlns="http://schemas.microsoft.com/sharepoint/v3/contenttype/forms">
-  <Display>DocumentLibraryForm</Display>
-  <Edit>DocumentLibraryForm</Edit>
-  <New>DocumentLibraryForm</New>
-</FormTemplates>
-</file>
-
-<file path=customXml/item3.xml><?xml version="1.0" encoding="utf-8"?>
 <ct:contentTypeSchema xmlns:ct="http://schemas.microsoft.com/office/2006/metadata/contentType" xmlns:ma="http://schemas.microsoft.com/office/2006/metadata/properties/metaAttributes" ct:_="" ma:_="" ma:contentTypeName="Document" ma:contentTypeID="0x010100822459439BA4514C84702488D0E006BA" ma:contentTypeVersion="26" ma:contentTypeDescription="Create a new document." ma:contentTypeScope="" ma:versionID="1adb099fd56db279984540ccda29e0d1">
   <xsd:schema xmlns:xsd="http://www.w3.org/2001/XMLSchema" xmlns:xs="http://www.w3.org/2001/XMLSchema" xmlns:p="http://schemas.microsoft.com/office/2006/metadata/properties" xmlns:ns2="89bae1a4-8361-4828-90ec-a3360a876cdf" xmlns:ns3="2da9f8d1-1481-480d-b29c-d5b1cf054a28" targetNamespace="http://schemas.microsoft.com/office/2006/metadata/properties" ma:root="true" ma:fieldsID="d64d8535f64baee22c4ab121384eb1bc" ns2:_="" ns3:_="">
     <xsd:import namespace="89bae1a4-8361-4828-90ec-a3360a876cdf"/>
@@ -6784,26 +7198,35 @@
 </ct:contentTypeSchema>
 </file>
 
-<file path=customXml/itemProps1.xml><?xml version="1.0" encoding="utf-8"?>
-<ds:datastoreItem xmlns:ds="http://schemas.openxmlformats.org/officeDocument/2006/customXml" ds:itemID="{6D3890D1-0804-4983-A8E2-EED5DCFD2DB2}">
-  <ds:schemaRefs>
-    <ds:schemaRef ds:uri="http://schemas.microsoft.com/office/2006/metadata/properties"/>
-    <ds:schemaRef ds:uri="http://schemas.microsoft.com/office/infopath/2007/PartnerControls"/>
-    <ds:schemaRef ds:uri="2da9f8d1-1481-480d-b29c-d5b1cf054a28"/>
-    <ds:schemaRef ds:uri="89bae1a4-8361-4828-90ec-a3360a876cdf"/>
-  </ds:schemaRefs>
-</ds:datastoreItem>
+<file path=customXml/item2.xml><?xml version="1.0" encoding="utf-8"?>
+<?mso-contentType ?>
+<FormTemplates xmlns="http://schemas.microsoft.com/sharepoint/v3/contenttype/forms">
+  <Display>DocumentLibraryForm</Display>
+  <Edit>DocumentLibraryForm</Edit>
+  <New>DocumentLibraryForm</New>
+</FormTemplates>
 </file>
 
-<file path=customXml/itemProps2.xml><?xml version="1.0" encoding="utf-8"?>
-<ds:datastoreItem xmlns:ds="http://schemas.openxmlformats.org/officeDocument/2006/customXml" ds:itemID="{8A6625D8-3E01-4B34-86DB-ED400E79EF4F}">
-  <ds:schemaRefs>
-    <ds:schemaRef ds:uri="http://schemas.microsoft.com/sharepoint/v3/contenttype/forms"/>
-  </ds:schemaRefs>
-</ds:datastoreItem>
+<file path=customXml/item3.xml><?xml version="1.0" encoding="utf-8"?>
+<p:properties xmlns:p="http://schemas.microsoft.com/office/2006/metadata/properties" xmlns:xsi="http://www.w3.org/2001/XMLSchema-instance" xmlns:pc="http://schemas.microsoft.com/office/infopath/2007/PartnerControls">
+  <documentManagement>
+    <Person_x0028_s_x0029__x0020_Responsible_x0020_for_x0020_Policy xmlns="2da9f8d1-1481-480d-b29c-d5b1cf054a28" xsi:nil="true"/>
+    <Policy_x0020_Type xmlns="2da9f8d1-1481-480d-b29c-d5b1cf054a28">Policy</Policy_x0020_Type>
+    <Policy_x0020_Enforcement_x0020_Date xmlns="2da9f8d1-1481-480d-b29c-d5b1cf054a28" xsi:nil="true"/>
+    <Policy_x0020_Status xmlns="2da9f8d1-1481-480d-b29c-d5b1cf054a28">Enforced</Policy_x0020_Status>
+    <Policy_x0020_Ref xmlns="2da9f8d1-1481-480d-b29c-d5b1cf054a28" xsi:nil="true"/>
+    <Policy_x0020_Approved_x0020_By xmlns="2da9f8d1-1481-480d-b29c-d5b1cf054a28" xsi:nil="true"/>
+    <Policy_x0020_Version xmlns="2da9f8d1-1481-480d-b29c-d5b1cf054a28" xsi:nil="true"/>
+    <Policy_x0020_Drafted_x0020_By xmlns="2da9f8d1-1481-480d-b29c-d5b1cf054a28" xsi:nil="true"/>
+    <lcf76f155ced4ddcb4097134ff3c332f xmlns="89bae1a4-8361-4828-90ec-a3360a876cdf">
+      <Terms xmlns="http://schemas.microsoft.com/office/infopath/2007/PartnerControls"/>
+    </lcf76f155ced4ddcb4097134ff3c332f>
+    <TaxCatchAll xmlns="2da9f8d1-1481-480d-b29c-d5b1cf054a28" xsi:nil="true"/>
+  </documentManagement>
+</p:properties>
 </file>
 
-<file path=customXml/itemProps3.xml><?xml version="1.0" encoding="utf-8"?>
+<file path=customXml/itemProps1.xml><?xml version="1.0" encoding="utf-8"?>
 <ds:datastoreItem xmlns:ds="http://schemas.openxmlformats.org/officeDocument/2006/customXml" ds:itemID="{0B2FBBFA-7C2A-452B-AD67-D78617A449D5}">
   <ds:schemaRefs>
     <ds:schemaRef ds:uri="http://schemas.microsoft.com/office/2006/metadata/contentType"/>
@@ -6820,4 +7243,23 @@
     <ds:schemaRef ds:uri="http://schemas.microsoft.com/internal/obd"/>
   </ds:schemaRefs>
 </ds:datastoreItem>
+</file>
+
+<file path=customXml/itemProps2.xml><?xml version="1.0" encoding="utf-8"?>
+<ds:datastoreItem xmlns:ds="http://schemas.openxmlformats.org/officeDocument/2006/customXml" ds:itemID="{8A6625D8-3E01-4B34-86DB-ED400E79EF4F}">
+  <ds:schemaRefs>
+    <ds:schemaRef ds:uri="http://schemas.microsoft.com/sharepoint/v3/contenttype/forms"/>
+  </ds:schemaRefs>
+</ds:datastoreItem>
+</file>
+
+<file path=customXml/itemProps3.xml><?xml version="1.0" encoding="utf-8"?>
+<ds:datastoreItem xmlns:ds="http://schemas.openxmlformats.org/officeDocument/2006/customXml" ds:itemID="{6D3890D1-0804-4983-A8E2-EED5DCFD2DB2}">
+  <ds:schemaRefs>
+    <ds:schemaRef ds:uri="http://schemas.microsoft.com/office/2006/metadata/properties"/>
+    <ds:schemaRef ds:uri="http://schemas.microsoft.com/office/infopath/2007/PartnerControls"/>
+    <ds:schemaRef ds:uri="2da9f8d1-1481-480d-b29c-d5b1cf054a28"/>
+    <ds:schemaRef ds:uri="89bae1a4-8361-4828-90ec-a3360a876cdf"/>
+  </ds:schemaRefs>
+</ds:datastoreItem>
 </file>